--- a/Metaball Study.pptx
+++ b/Metaball Study.pptx
@@ -18,9 +18,10 @@
     <p:sldId id="273" r:id="rId12"/>
     <p:sldId id="258" r:id="rId13"/>
     <p:sldId id="259" r:id="rId14"/>
-    <p:sldId id="260" r:id="rId15"/>
-    <p:sldId id="261" r:id="rId16"/>
-    <p:sldId id="271" r:id="rId17"/>
+    <p:sldId id="274" r:id="rId15"/>
+    <p:sldId id="260" r:id="rId16"/>
+    <p:sldId id="261" r:id="rId17"/>
+    <p:sldId id="271" r:id="rId18"/>
   </p:sldIdLst>
   <p:sldSz cx="9144000" cy="6858000" type="screen4x3"/>
   <p:notesSz cx="6858000" cy="9144000"/>
@@ -121,7 +122,7 @@
   </p:defaultTextStyle>
   <p:extLst>
     <p:ext uri="{EFAFB233-063F-42B5-8137-9DF3F51BA10A}">
-      <p15:sldGuideLst xmlns:p15="http://schemas.microsoft.com/office/powerpoint/2012/main" xmlns=""/>
+      <p15:sldGuideLst xmlns="" xmlns:p15="http://schemas.microsoft.com/office/powerpoint/2012/main"/>
     </p:ext>
   </p:extLst>
 </p:presentation>
@@ -3653,6 +3654,132 @@
           <a:chExt cx="0" cy="0"/>
         </a:xfrm>
       </p:grpSpPr>
+      <p:sp>
+        <p:nvSpPr>
+          <p:cNvPr id="2" name="標題 1"/>
+          <p:cNvSpPr>
+            <a:spLocks noGrp="1"/>
+          </p:cNvSpPr>
+          <p:nvPr>
+            <p:ph type="title"/>
+          </p:nvPr>
+        </p:nvSpPr>
+        <p:spPr/>
+        <p:txBody>
+          <a:bodyPr/>
+          <a:lstStyle/>
+          <a:p>
+            <a:r>
+              <a:rPr lang="en-US" altLang="zh-TW" dirty="0" smtClean="0"/>
+              <a:t>Test run</a:t>
+            </a:r>
+            <a:endParaRPr lang="zh-TW" altLang="en-US" dirty="0"/>
+          </a:p>
+        </p:txBody>
+      </p:sp>
+      <p:sp>
+        <p:nvSpPr>
+          <p:cNvPr id="3" name="內容版面配置區 2"/>
+          <p:cNvSpPr>
+            <a:spLocks noGrp="1"/>
+          </p:cNvSpPr>
+          <p:nvPr>
+            <p:ph idx="1"/>
+          </p:nvPr>
+        </p:nvSpPr>
+        <p:spPr/>
+        <p:txBody>
+          <a:bodyPr/>
+          <a:lstStyle/>
+          <a:p>
+            <a:endParaRPr lang="zh-TW" altLang="en-US"/>
+          </a:p>
+        </p:txBody>
+      </p:sp>
+      <p:pic>
+        <p:nvPicPr>
+          <p:cNvPr id="6146" name="Picture 2"/>
+          <p:cNvPicPr>
+            <a:picLocks noChangeAspect="1" noChangeArrowheads="1"/>
+          </p:cNvPicPr>
+          <p:nvPr/>
+        </p:nvPicPr>
+        <p:blipFill>
+          <a:blip r:embed="rId2">
+            <a:extLst>
+              <a:ext uri="{28A0092B-C50C-407E-A947-70E740481C1C}">
+                <a14:useLocalDpi xmlns:a14="http://schemas.microsoft.com/office/drawing/2010/main" val="0"/>
+              </a:ext>
+            </a:extLst>
+          </a:blip>
+          <a:srcRect/>
+          <a:stretch>
+            <a:fillRect/>
+          </a:stretch>
+        </p:blipFill>
+        <p:spPr bwMode="auto">
+          <a:xfrm>
+            <a:off x="1004445" y="2080436"/>
+            <a:ext cx="6584080" cy="1194391"/>
+          </a:xfrm>
+          <a:prstGeom prst="rect">
+            <a:avLst/>
+          </a:prstGeom>
+          <a:noFill/>
+          <a:ln>
+            <a:noFill/>
+          </a:ln>
+          <a:extLst>
+            <a:ext uri="{909E8E84-426E-40DD-AFC4-6F175D3DCCD1}">
+              <a14:hiddenFill xmlns:a14="http://schemas.microsoft.com/office/drawing/2010/main">
+                <a:solidFill>
+                  <a:schemeClr val="accent1"/>
+                </a:solidFill>
+              </a14:hiddenFill>
+            </a:ext>
+            <a:ext uri="{91240B29-F687-4F45-9708-019B960494DF}">
+              <a14:hiddenLine xmlns:a14="http://schemas.microsoft.com/office/drawing/2010/main" w="9525">
+                <a:solidFill>
+                  <a:schemeClr val="tx1"/>
+                </a:solidFill>
+                <a:miter lim="800000"/>
+                <a:headEnd/>
+                <a:tailEnd/>
+              </a14:hiddenLine>
+            </a:ext>
+          </a:extLst>
+        </p:spPr>
+      </p:pic>
+    </p:spTree>
+    <p:extLst>
+      <p:ext uri="{BB962C8B-B14F-4D97-AF65-F5344CB8AC3E}">
+        <p14:creationId xmlns:p14="http://schemas.microsoft.com/office/powerpoint/2010/main" val="1723777630"/>
+      </p:ext>
+    </p:extLst>
+  </p:cSld>
+  <p:clrMapOvr>
+    <a:masterClrMapping/>
+  </p:clrMapOvr>
+</p:sld>
+</file>
+
+<file path=ppt/slides/slide15.xml><?xml version="1.0" encoding="utf-8"?>
+<p:sld xmlns:a="http://schemas.openxmlformats.org/drawingml/2006/main" xmlns:r="http://schemas.openxmlformats.org/officeDocument/2006/relationships" xmlns:p="http://schemas.openxmlformats.org/presentationml/2006/main">
+  <p:cSld>
+    <p:spTree>
+      <p:nvGrpSpPr>
+        <p:cNvPr id="1" name=""/>
+        <p:cNvGrpSpPr/>
+        <p:nvPr/>
+      </p:nvGrpSpPr>
+      <p:grpSpPr>
+        <a:xfrm>
+          <a:off x="0" y="0"/>
+          <a:ext cx="0" cy="0"/>
+          <a:chOff x="0" y="0"/>
+          <a:chExt cx="0" cy="0"/>
+        </a:xfrm>
+      </p:grpSpPr>
       <p:pic>
         <p:nvPicPr>
           <p:cNvPr id="7" name="圖片 6"/>
@@ -3690,7 +3817,7 @@
 </p:sld>
 </file>
 
-<file path=ppt/slides/slide15.xml><?xml version="1.0" encoding="utf-8"?>
+<file path=ppt/slides/slide16.xml><?xml version="1.0" encoding="utf-8"?>
 <p:sld xmlns:a="http://schemas.openxmlformats.org/drawingml/2006/main" xmlns:r="http://schemas.openxmlformats.org/officeDocument/2006/relationships" xmlns:p="http://schemas.openxmlformats.org/presentationml/2006/main">
   <p:cSld>
     <p:spTree>
@@ -3858,7 +3985,7 @@
 </p:sld>
 </file>
 
-<file path=ppt/slides/slide16.xml><?xml version="1.0" encoding="utf-8"?>
+<file path=ppt/slides/slide17.xml><?xml version="1.0" encoding="utf-8"?>
 <p:sld xmlns:a="http://schemas.openxmlformats.org/drawingml/2006/main" xmlns:r="http://schemas.openxmlformats.org/officeDocument/2006/relationships" xmlns:p="http://schemas.openxmlformats.org/presentationml/2006/main">
   <p:cSld>
     <p:spTree>
@@ -5014,7 +5141,7 @@
           <a:graphicData uri="http://schemas.openxmlformats.org/presentationml/2006/ole">
             <mc:AlternateContent xmlns:mc="http://schemas.openxmlformats.org/markup-compatibility/2006">
               <mc:Choice xmlns:v="urn:schemas-microsoft-com:vml" Requires="v">
-                <p:oleObj spid="_x0000_s4100" name="方程式" r:id="rId4" imgW="2019240" imgH="393480" progId="Equation.3">
+                <p:oleObj spid="_x0000_s4101" name="方程式" r:id="rId4" imgW="2019240" imgH="393480" progId="Equation.3">
                   <p:embed/>
                 </p:oleObj>
               </mc:Choice>
@@ -5323,7 +5450,7 @@
           <a:graphicData uri="http://schemas.openxmlformats.org/presentationml/2006/ole">
             <mc:AlternateContent xmlns:mc="http://schemas.openxmlformats.org/markup-compatibility/2006">
               <mc:Choice xmlns:v="urn:schemas-microsoft-com:vml" Requires="v">
-                <p:oleObj spid="_x0000_s5124" name="方程式" r:id="rId4" imgW="1663560" imgH="1066680" progId="Equation.3">
+                <p:oleObj spid="_x0000_s5125" name="方程式" r:id="rId4" imgW="1663560" imgH="1066680" progId="Equation.3">
                   <p:embed/>
                 </p:oleObj>
               </mc:Choice>
@@ -5896,7 +6023,7 @@
   <a:extraClrSchemeLst/>
   <a:extLst>
     <a:ext uri="{05A4C25C-085E-4340-85A3-A5531E510DB2}">
-      <thm15:themeFamily xmlns:thm15="http://schemas.microsoft.com/office/thememl/2012/main" xmlns="" name="Office Theme" id="{62F939B6-93AF-4DB8-9C6B-D6C7DFDC589F}" vid="{4A3C46E8-61CC-4603-A589-7422A47A8E4A}"/>
+      <thm15:themeFamily xmlns="" xmlns:thm15="http://schemas.microsoft.com/office/thememl/2012/main" name="Office Theme" id="{62F939B6-93AF-4DB8-9C6B-D6C7DFDC589F}" vid="{4A3C46E8-61CC-4603-A589-7422A47A8E4A}"/>
     </a:ext>
   </a:extLst>
 </a:theme>

--- a/Metaball Study.pptx
+++ b/Metaball Study.pptx
@@ -10,9 +10,9 @@
     <p:sldId id="265" r:id="rId4"/>
     <p:sldId id="266" r:id="rId5"/>
     <p:sldId id="267" r:id="rId6"/>
-    <p:sldId id="268" r:id="rId7"/>
-    <p:sldId id="269" r:id="rId8"/>
-    <p:sldId id="263" r:id="rId9"/>
+    <p:sldId id="263" r:id="rId7"/>
+    <p:sldId id="268" r:id="rId8"/>
+    <p:sldId id="269" r:id="rId9"/>
     <p:sldId id="270" r:id="rId10"/>
     <p:sldId id="272" r:id="rId11"/>
     <p:sldId id="273" r:id="rId12"/>
@@ -122,7 +122,7 @@
   </p:defaultTextStyle>
   <p:extLst>
     <p:ext uri="{EFAFB233-063F-42B5-8137-9DF3F51BA10A}">
-      <p15:sldGuideLst xmlns="" xmlns:p15="http://schemas.microsoft.com/office/powerpoint/2012/main"/>
+      <p15:sldGuideLst xmlns:p15="http://schemas.microsoft.com/office/powerpoint/2012/main" xmlns=""/>
     </p:ext>
   </p:extLst>
 </p:presentation>
@@ -4585,6 +4585,188 @@
       </p:grpSpPr>
       <p:pic>
         <p:nvPicPr>
+          <p:cNvPr id="7" name="圖片 6"/>
+          <p:cNvPicPr>
+            <a:picLocks noChangeAspect="1"/>
+          </p:cNvPicPr>
+          <p:nvPr/>
+        </p:nvPicPr>
+        <p:blipFill>
+          <a:blip r:embed="rId3"/>
+          <a:stretch>
+            <a:fillRect/>
+          </a:stretch>
+        </p:blipFill>
+        <p:spPr>
+          <a:xfrm>
+            <a:off x="146829" y="887083"/>
+            <a:ext cx="8677994" cy="5791200"/>
+          </a:xfrm>
+          <a:prstGeom prst="rect">
+            <a:avLst/>
+          </a:prstGeom>
+        </p:spPr>
+      </p:pic>
+      <p:sp>
+        <p:nvSpPr>
+          <p:cNvPr id="5" name="文字方塊 4"/>
+          <p:cNvSpPr txBox="1"/>
+          <p:nvPr/>
+        </p:nvSpPr>
+        <p:spPr>
+          <a:xfrm>
+            <a:off x="7029046" y="4477109"/>
+            <a:ext cx="1486304" cy="369332"/>
+          </a:xfrm>
+          <a:prstGeom prst="rect">
+            <a:avLst/>
+          </a:prstGeom>
+          <a:noFill/>
+        </p:spPr>
+        <p:txBody>
+          <a:bodyPr wrap="none" rtlCol="0">
+            <a:spAutoFit/>
+          </a:bodyPr>
+          <a:lstStyle/>
+          <a:p>
+            <a:r>
+              <a:rPr lang="en-US" altLang="zh-TW" dirty="0" smtClean="0">
+                <a:solidFill>
+                  <a:srgbClr val="FF0000"/>
+                </a:solidFill>
+              </a:rPr>
+              <a:t>[0.23, 0.77]^3</a:t>
+            </a:r>
+            <a:endParaRPr lang="zh-TW" altLang="en-US" dirty="0">
+              <a:solidFill>
+                <a:srgbClr val="FF0000"/>
+              </a:solidFill>
+            </a:endParaRPr>
+          </a:p>
+        </p:txBody>
+      </p:sp>
+      <p:graphicFrame>
+        <p:nvGraphicFramePr>
+          <p:cNvPr id="2" name="物件 1"/>
+          <p:cNvGraphicFramePr>
+            <a:graphicFrameLocks noChangeAspect="1"/>
+          </p:cNvGraphicFramePr>
+          <p:nvPr>
+            <p:extLst>
+              <p:ext uri="{D42A27DB-BD31-4B8C-83A1-F6EECF244321}">
+                <p14:modId xmlns:p14="http://schemas.microsoft.com/office/powerpoint/2010/main" val="239384977"/>
+              </p:ext>
+            </p:extLst>
+          </p:nvPr>
+        </p:nvGraphicFramePr>
+        <p:xfrm>
+          <a:off x="5888665" y="1490404"/>
+          <a:ext cx="2830513" cy="1812925"/>
+        </p:xfrm>
+        <a:graphic>
+          <a:graphicData uri="http://schemas.openxmlformats.org/presentationml/2006/ole">
+            <mc:AlternateContent xmlns:mc="http://schemas.openxmlformats.org/markup-compatibility/2006">
+              <mc:Choice xmlns:v="urn:schemas-microsoft-com:vml" Requires="v">
+                <p:oleObj spid="_x0000_s5127" name="方程式" r:id="rId4" imgW="1663560" imgH="1066680" progId="Equation.3">
+                  <p:embed/>
+                </p:oleObj>
+              </mc:Choice>
+              <mc:Fallback>
+                <p:oleObj name="方程式" r:id="rId4" imgW="1663560" imgH="1066680" progId="Equation.3">
+                  <p:embed/>
+                  <p:pic>
+                    <p:nvPicPr>
+                      <p:cNvPr id="0" name=""/>
+                      <p:cNvPicPr/>
+                      <p:nvPr/>
+                    </p:nvPicPr>
+                    <p:blipFill>
+                      <a:blip r:embed="rId5"/>
+                      <a:stretch>
+                        <a:fillRect/>
+                      </a:stretch>
+                    </p:blipFill>
+                    <p:spPr>
+                      <a:xfrm>
+                        <a:off x="5888665" y="1490404"/>
+                        <a:ext cx="2830513" cy="1812925"/>
+                      </a:xfrm>
+                      <a:prstGeom prst="rect">
+                        <a:avLst/>
+                      </a:prstGeom>
+                    </p:spPr>
+                  </p:pic>
+                </p:oleObj>
+              </mc:Fallback>
+            </mc:AlternateContent>
+          </a:graphicData>
+        </a:graphic>
+      </p:graphicFrame>
+      <p:sp>
+        <p:nvSpPr>
+          <p:cNvPr id="3" name="標題 2"/>
+          <p:cNvSpPr>
+            <a:spLocks noGrp="1"/>
+          </p:cNvSpPr>
+          <p:nvPr>
+            <p:ph type="title"/>
+          </p:nvPr>
+        </p:nvSpPr>
+        <p:spPr/>
+        <p:txBody>
+          <a:bodyPr>
+            <a:normAutofit/>
+          </a:bodyPr>
+          <a:lstStyle/>
+          <a:p>
+            <a:pPr algn="r"/>
+            <a:r>
+              <a:rPr lang="en-US" altLang="zh-TW" sz="3600" dirty="0" smtClean="0"/>
+              <a:t>In Calling </a:t>
+            </a:r>
+            <a:br>
+              <a:rPr lang="en-US" altLang="zh-TW" sz="3600" dirty="0" smtClean="0"/>
+            </a:br>
+            <a:r>
+              <a:rPr lang="en-US" altLang="zh-TW" sz="3600" dirty="0" smtClean="0"/>
+              <a:t>Program</a:t>
+            </a:r>
+            <a:endParaRPr lang="zh-TW" altLang="en-US" sz="3600" dirty="0"/>
+          </a:p>
+        </p:txBody>
+      </p:sp>
+    </p:spTree>
+    <p:extLst>
+      <p:ext uri="{BB962C8B-B14F-4D97-AF65-F5344CB8AC3E}">
+        <p14:creationId xmlns:p14="http://schemas.microsoft.com/office/powerpoint/2010/main" val="1296679440"/>
+      </p:ext>
+    </p:extLst>
+  </p:cSld>
+  <p:clrMapOvr>
+    <a:masterClrMapping/>
+  </p:clrMapOvr>
+</p:sld>
+</file>
+
+<file path=ppt/slides/slide7.xml><?xml version="1.0" encoding="utf-8"?>
+<p:sld xmlns:a="http://schemas.openxmlformats.org/drawingml/2006/main" xmlns:r="http://schemas.openxmlformats.org/officeDocument/2006/relationships" xmlns:p="http://schemas.openxmlformats.org/presentationml/2006/main">
+  <p:cSld>
+    <p:spTree>
+      <p:nvGrpSpPr>
+        <p:cNvPr id="1" name=""/>
+        <p:cNvGrpSpPr/>
+        <p:nvPr/>
+      </p:nvGrpSpPr>
+      <p:grpSpPr>
+        <a:xfrm>
+          <a:off x="0" y="0"/>
+          <a:ext cx="0" cy="0"/>
+          <a:chOff x="0" y="0"/>
+          <a:chExt cx="0" cy="0"/>
+        </a:xfrm>
+      </p:grpSpPr>
+      <p:pic>
+        <p:nvPicPr>
           <p:cNvPr id="3074" name="Picture 2"/>
           <p:cNvPicPr>
             <a:picLocks noChangeAspect="1" noChangeArrowheads="1"/>
@@ -4916,7 +5098,7 @@
 </p:sld>
 </file>
 
-<file path=ppt/slides/slide7.xml><?xml version="1.0" encoding="utf-8"?>
+<file path=ppt/slides/slide8.xml><?xml version="1.0" encoding="utf-8"?>
 <p:sld xmlns:a="http://schemas.openxmlformats.org/drawingml/2006/main" xmlns:r="http://schemas.openxmlformats.org/officeDocument/2006/relationships" xmlns:p="http://schemas.openxmlformats.org/presentationml/2006/main">
   <p:cSld>
     <p:spTree>
@@ -5141,7 +5323,7 @@
           <a:graphicData uri="http://schemas.openxmlformats.org/presentationml/2006/ole">
             <mc:AlternateContent xmlns:mc="http://schemas.openxmlformats.org/markup-compatibility/2006">
               <mc:Choice xmlns:v="urn:schemas-microsoft-com:vml" Requires="v">
-                <p:oleObj spid="_x0000_s4101" name="方程式" r:id="rId4" imgW="2019240" imgH="393480" progId="Equation.3">
+                <p:oleObj spid="_x0000_s4103" name="方程式" r:id="rId4" imgW="2019240" imgH="393480" progId="Equation.3">
                   <p:embed/>
                 </p:oleObj>
               </mc:Choice>
@@ -5340,188 +5522,6 @@
     <p:extLst>
       <p:ext uri="{BB962C8B-B14F-4D97-AF65-F5344CB8AC3E}">
         <p14:creationId xmlns:p14="http://schemas.microsoft.com/office/powerpoint/2010/main" val="2540232015"/>
-      </p:ext>
-    </p:extLst>
-  </p:cSld>
-  <p:clrMapOvr>
-    <a:masterClrMapping/>
-  </p:clrMapOvr>
-</p:sld>
-</file>
-
-<file path=ppt/slides/slide8.xml><?xml version="1.0" encoding="utf-8"?>
-<p:sld xmlns:a="http://schemas.openxmlformats.org/drawingml/2006/main" xmlns:r="http://schemas.openxmlformats.org/officeDocument/2006/relationships" xmlns:p="http://schemas.openxmlformats.org/presentationml/2006/main">
-  <p:cSld>
-    <p:spTree>
-      <p:nvGrpSpPr>
-        <p:cNvPr id="1" name=""/>
-        <p:cNvGrpSpPr/>
-        <p:nvPr/>
-      </p:nvGrpSpPr>
-      <p:grpSpPr>
-        <a:xfrm>
-          <a:off x="0" y="0"/>
-          <a:ext cx="0" cy="0"/>
-          <a:chOff x="0" y="0"/>
-          <a:chExt cx="0" cy="0"/>
-        </a:xfrm>
-      </p:grpSpPr>
-      <p:pic>
-        <p:nvPicPr>
-          <p:cNvPr id="7" name="圖片 6"/>
-          <p:cNvPicPr>
-            <a:picLocks noChangeAspect="1"/>
-          </p:cNvPicPr>
-          <p:nvPr/>
-        </p:nvPicPr>
-        <p:blipFill>
-          <a:blip r:embed="rId3"/>
-          <a:stretch>
-            <a:fillRect/>
-          </a:stretch>
-        </p:blipFill>
-        <p:spPr>
-          <a:xfrm>
-            <a:off x="146829" y="887083"/>
-            <a:ext cx="8677994" cy="5791200"/>
-          </a:xfrm>
-          <a:prstGeom prst="rect">
-            <a:avLst/>
-          </a:prstGeom>
-        </p:spPr>
-      </p:pic>
-      <p:sp>
-        <p:nvSpPr>
-          <p:cNvPr id="5" name="文字方塊 4"/>
-          <p:cNvSpPr txBox="1"/>
-          <p:nvPr/>
-        </p:nvSpPr>
-        <p:spPr>
-          <a:xfrm>
-            <a:off x="7029046" y="4477109"/>
-            <a:ext cx="1486304" cy="369332"/>
-          </a:xfrm>
-          <a:prstGeom prst="rect">
-            <a:avLst/>
-          </a:prstGeom>
-          <a:noFill/>
-        </p:spPr>
-        <p:txBody>
-          <a:bodyPr wrap="none" rtlCol="0">
-            <a:spAutoFit/>
-          </a:bodyPr>
-          <a:lstStyle/>
-          <a:p>
-            <a:r>
-              <a:rPr lang="en-US" altLang="zh-TW" dirty="0" smtClean="0">
-                <a:solidFill>
-                  <a:srgbClr val="FF0000"/>
-                </a:solidFill>
-              </a:rPr>
-              <a:t>[0.23, 0.77]^3</a:t>
-            </a:r>
-            <a:endParaRPr lang="zh-TW" altLang="en-US" dirty="0">
-              <a:solidFill>
-                <a:srgbClr val="FF0000"/>
-              </a:solidFill>
-            </a:endParaRPr>
-          </a:p>
-        </p:txBody>
-      </p:sp>
-      <p:graphicFrame>
-        <p:nvGraphicFramePr>
-          <p:cNvPr id="2" name="物件 1"/>
-          <p:cNvGraphicFramePr>
-            <a:graphicFrameLocks noChangeAspect="1"/>
-          </p:cNvGraphicFramePr>
-          <p:nvPr>
-            <p:extLst>
-              <p:ext uri="{D42A27DB-BD31-4B8C-83A1-F6EECF244321}">
-                <p14:modId xmlns:p14="http://schemas.microsoft.com/office/powerpoint/2010/main" val="239384977"/>
-              </p:ext>
-            </p:extLst>
-          </p:nvPr>
-        </p:nvGraphicFramePr>
-        <p:xfrm>
-          <a:off x="5888665" y="1490404"/>
-          <a:ext cx="2830513" cy="1812925"/>
-        </p:xfrm>
-        <a:graphic>
-          <a:graphicData uri="http://schemas.openxmlformats.org/presentationml/2006/ole">
-            <mc:AlternateContent xmlns:mc="http://schemas.openxmlformats.org/markup-compatibility/2006">
-              <mc:Choice xmlns:v="urn:schemas-microsoft-com:vml" Requires="v">
-                <p:oleObj spid="_x0000_s5125" name="方程式" r:id="rId4" imgW="1663560" imgH="1066680" progId="Equation.3">
-                  <p:embed/>
-                </p:oleObj>
-              </mc:Choice>
-              <mc:Fallback>
-                <p:oleObj name="方程式" r:id="rId4" imgW="1663560" imgH="1066680" progId="Equation.3">
-                  <p:embed/>
-                  <p:pic>
-                    <p:nvPicPr>
-                      <p:cNvPr id="0" name=""/>
-                      <p:cNvPicPr/>
-                      <p:nvPr/>
-                    </p:nvPicPr>
-                    <p:blipFill>
-                      <a:blip r:embed="rId5"/>
-                      <a:stretch>
-                        <a:fillRect/>
-                      </a:stretch>
-                    </p:blipFill>
-                    <p:spPr>
-                      <a:xfrm>
-                        <a:off x="5888665" y="1490404"/>
-                        <a:ext cx="2830513" cy="1812925"/>
-                      </a:xfrm>
-                      <a:prstGeom prst="rect">
-                        <a:avLst/>
-                      </a:prstGeom>
-                    </p:spPr>
-                  </p:pic>
-                </p:oleObj>
-              </mc:Fallback>
-            </mc:AlternateContent>
-          </a:graphicData>
-        </a:graphic>
-      </p:graphicFrame>
-      <p:sp>
-        <p:nvSpPr>
-          <p:cNvPr id="3" name="標題 2"/>
-          <p:cNvSpPr>
-            <a:spLocks noGrp="1"/>
-          </p:cNvSpPr>
-          <p:nvPr>
-            <p:ph type="title"/>
-          </p:nvPr>
-        </p:nvSpPr>
-        <p:spPr/>
-        <p:txBody>
-          <a:bodyPr>
-            <a:normAutofit/>
-          </a:bodyPr>
-          <a:lstStyle/>
-          <a:p>
-            <a:pPr algn="r"/>
-            <a:r>
-              <a:rPr lang="en-US" altLang="zh-TW" sz="3600" dirty="0" smtClean="0"/>
-              <a:t>In Calling </a:t>
-            </a:r>
-            <a:br>
-              <a:rPr lang="en-US" altLang="zh-TW" sz="3600" dirty="0" smtClean="0"/>
-            </a:br>
-            <a:r>
-              <a:rPr lang="en-US" altLang="zh-TW" sz="3600" dirty="0" smtClean="0"/>
-              <a:t>Program</a:t>
-            </a:r>
-            <a:endParaRPr lang="zh-TW" altLang="en-US" sz="3600" dirty="0"/>
-          </a:p>
-        </p:txBody>
-      </p:sp>
-    </p:spTree>
-    <p:extLst>
-      <p:ext uri="{BB962C8B-B14F-4D97-AF65-F5344CB8AC3E}">
-        <p14:creationId xmlns:p14="http://schemas.microsoft.com/office/powerpoint/2010/main" val="1296679440"/>
       </p:ext>
     </p:extLst>
   </p:cSld>
@@ -6023,7 +6023,7 @@
   <a:extraClrSchemeLst/>
   <a:extLst>
     <a:ext uri="{05A4C25C-085E-4340-85A3-A5531E510DB2}">
-      <thm15:themeFamily xmlns="" xmlns:thm15="http://schemas.microsoft.com/office/thememl/2012/main" name="Office Theme" id="{62F939B6-93AF-4DB8-9C6B-D6C7DFDC589F}" vid="{4A3C46E8-61CC-4603-A589-7422A47A8E4A}"/>
+      <thm15:themeFamily xmlns:thm15="http://schemas.microsoft.com/office/thememl/2012/main" xmlns="" name="Office Theme" id="{62F939B6-93AF-4DB8-9C6B-D6C7DFDC589F}" vid="{4A3C46E8-61CC-4603-A589-7422A47A8E4A}"/>
     </a:ext>
   </a:extLst>
 </a:theme>

--- a/Metaball Study.pptx
+++ b/Metaball Study.pptx
@@ -19,9 +19,11 @@
     <p:sldId id="258" r:id="rId13"/>
     <p:sldId id="259" r:id="rId14"/>
     <p:sldId id="274" r:id="rId15"/>
-    <p:sldId id="260" r:id="rId16"/>
-    <p:sldId id="261" r:id="rId17"/>
-    <p:sldId id="271" r:id="rId18"/>
+    <p:sldId id="275" r:id="rId16"/>
+    <p:sldId id="276" r:id="rId17"/>
+    <p:sldId id="260" r:id="rId18"/>
+    <p:sldId id="261" r:id="rId19"/>
+    <p:sldId id="271" r:id="rId20"/>
   </p:sldIdLst>
   <p:sldSz cx="9144000" cy="6858000" type="screen4x3"/>
   <p:notesSz cx="6858000" cy="9144000"/>
@@ -122,7 +124,7 @@
   </p:defaultTextStyle>
   <p:extLst>
     <p:ext uri="{EFAFB233-063F-42B5-8137-9DF3F51BA10A}">
-      <p15:sldGuideLst xmlns:p15="http://schemas.microsoft.com/office/powerpoint/2012/main" xmlns=""/>
+      <p15:sldGuideLst xmlns="" xmlns:p15="http://schemas.microsoft.com/office/powerpoint/2012/main"/>
     </p:ext>
   </p:extLst>
 </p:presentation>
@@ -3780,6 +3782,250 @@
           <a:chExt cx="0" cy="0"/>
         </a:xfrm>
       </p:grpSpPr>
+      <p:sp>
+        <p:nvSpPr>
+          <p:cNvPr id="2" name="標題 1"/>
+          <p:cNvSpPr>
+            <a:spLocks noGrp="1"/>
+          </p:cNvSpPr>
+          <p:nvPr>
+            <p:ph type="title"/>
+          </p:nvPr>
+        </p:nvSpPr>
+        <p:spPr/>
+        <p:txBody>
+          <a:bodyPr/>
+          <a:lstStyle/>
+          <a:p>
+            <a:endParaRPr lang="zh-TW" altLang="en-US"/>
+          </a:p>
+        </p:txBody>
+      </p:sp>
+      <p:sp>
+        <p:nvSpPr>
+          <p:cNvPr id="3" name="內容版面配置區 2"/>
+          <p:cNvSpPr>
+            <a:spLocks noGrp="1"/>
+          </p:cNvSpPr>
+          <p:nvPr>
+            <p:ph idx="1"/>
+          </p:nvPr>
+        </p:nvSpPr>
+        <p:spPr/>
+        <p:txBody>
+          <a:bodyPr/>
+          <a:lstStyle/>
+          <a:p>
+            <a:endParaRPr lang="zh-TW" altLang="en-US"/>
+          </a:p>
+        </p:txBody>
+      </p:sp>
+      <p:pic>
+        <p:nvPicPr>
+          <p:cNvPr id="6146" name="Picture 2"/>
+          <p:cNvPicPr>
+            <a:picLocks noChangeAspect="1" noChangeArrowheads="1"/>
+          </p:cNvPicPr>
+          <p:nvPr/>
+        </p:nvPicPr>
+        <p:blipFill>
+          <a:blip r:embed="rId2">
+            <a:extLst>
+              <a:ext uri="{28A0092B-C50C-407E-A947-70E740481C1C}">
+                <a14:useLocalDpi xmlns:a14="http://schemas.microsoft.com/office/drawing/2010/main" val="0"/>
+              </a:ext>
+            </a:extLst>
+          </a:blip>
+          <a:srcRect/>
+          <a:stretch>
+            <a:fillRect/>
+          </a:stretch>
+        </p:blipFill>
+        <p:spPr bwMode="auto">
+          <a:xfrm>
+            <a:off x="1800225" y="0"/>
+            <a:ext cx="5543550" cy="6475228"/>
+          </a:xfrm>
+          <a:prstGeom prst="rect">
+            <a:avLst/>
+          </a:prstGeom>
+          <a:noFill/>
+          <a:ln>
+            <a:noFill/>
+          </a:ln>
+          <a:extLst>
+            <a:ext uri="{909E8E84-426E-40DD-AFC4-6F175D3DCCD1}">
+              <a14:hiddenFill xmlns:a14="http://schemas.microsoft.com/office/drawing/2010/main">
+                <a:solidFill>
+                  <a:schemeClr val="accent1"/>
+                </a:solidFill>
+              </a14:hiddenFill>
+            </a:ext>
+            <a:ext uri="{91240B29-F687-4F45-9708-019B960494DF}">
+              <a14:hiddenLine xmlns:a14="http://schemas.microsoft.com/office/drawing/2010/main" w="9525">
+                <a:solidFill>
+                  <a:schemeClr val="tx1"/>
+                </a:solidFill>
+                <a:miter lim="800000"/>
+                <a:headEnd/>
+                <a:tailEnd/>
+              </a14:hiddenLine>
+            </a:ext>
+          </a:extLst>
+        </p:spPr>
+      </p:pic>
+    </p:spTree>
+    <p:extLst>
+      <p:ext uri="{BB962C8B-B14F-4D97-AF65-F5344CB8AC3E}">
+        <p14:creationId xmlns:p14="http://schemas.microsoft.com/office/powerpoint/2010/main" val="3728794408"/>
+      </p:ext>
+    </p:extLst>
+  </p:cSld>
+  <p:clrMapOvr>
+    <a:masterClrMapping/>
+  </p:clrMapOvr>
+</p:sld>
+</file>
+
+<file path=ppt/slides/slide16.xml><?xml version="1.0" encoding="utf-8"?>
+<p:sld xmlns:a="http://schemas.openxmlformats.org/drawingml/2006/main" xmlns:r="http://schemas.openxmlformats.org/officeDocument/2006/relationships" xmlns:p="http://schemas.openxmlformats.org/presentationml/2006/main">
+  <p:cSld>
+    <p:spTree>
+      <p:nvGrpSpPr>
+        <p:cNvPr id="1" name=""/>
+        <p:cNvGrpSpPr/>
+        <p:nvPr/>
+      </p:nvGrpSpPr>
+      <p:grpSpPr>
+        <a:xfrm>
+          <a:off x="0" y="0"/>
+          <a:ext cx="0" cy="0"/>
+          <a:chOff x="0" y="0"/>
+          <a:chExt cx="0" cy="0"/>
+        </a:xfrm>
+      </p:grpSpPr>
+      <p:sp>
+        <p:nvSpPr>
+          <p:cNvPr id="2" name="標題 1"/>
+          <p:cNvSpPr>
+            <a:spLocks noGrp="1"/>
+          </p:cNvSpPr>
+          <p:nvPr>
+            <p:ph type="title"/>
+          </p:nvPr>
+        </p:nvSpPr>
+        <p:spPr/>
+        <p:txBody>
+          <a:bodyPr/>
+          <a:lstStyle/>
+          <a:p>
+            <a:endParaRPr lang="zh-TW" altLang="en-US"/>
+          </a:p>
+        </p:txBody>
+      </p:sp>
+      <p:sp>
+        <p:nvSpPr>
+          <p:cNvPr id="3" name="內容版面配置區 2"/>
+          <p:cNvSpPr>
+            <a:spLocks noGrp="1"/>
+          </p:cNvSpPr>
+          <p:nvPr>
+            <p:ph idx="1"/>
+          </p:nvPr>
+        </p:nvSpPr>
+        <p:spPr/>
+        <p:txBody>
+          <a:bodyPr/>
+          <a:lstStyle/>
+          <a:p>
+            <a:endParaRPr lang="zh-TW" altLang="en-US"/>
+          </a:p>
+        </p:txBody>
+      </p:sp>
+      <p:pic>
+        <p:nvPicPr>
+          <p:cNvPr id="7170" name="Picture 2"/>
+          <p:cNvPicPr>
+            <a:picLocks noChangeAspect="1" noChangeArrowheads="1"/>
+          </p:cNvPicPr>
+          <p:nvPr/>
+        </p:nvPicPr>
+        <p:blipFill>
+          <a:blip r:embed="rId2">
+            <a:extLst>
+              <a:ext uri="{28A0092B-C50C-407E-A947-70E740481C1C}">
+                <a14:useLocalDpi xmlns:a14="http://schemas.microsoft.com/office/drawing/2010/main" val="0"/>
+              </a:ext>
+            </a:extLst>
+          </a:blip>
+          <a:srcRect/>
+          <a:stretch>
+            <a:fillRect/>
+          </a:stretch>
+        </p:blipFill>
+        <p:spPr bwMode="auto">
+          <a:xfrm>
+            <a:off x="1595438" y="176213"/>
+            <a:ext cx="5953125" cy="6505575"/>
+          </a:xfrm>
+          <a:prstGeom prst="rect">
+            <a:avLst/>
+          </a:prstGeom>
+          <a:noFill/>
+          <a:ln>
+            <a:noFill/>
+          </a:ln>
+          <a:extLst>
+            <a:ext uri="{909E8E84-426E-40DD-AFC4-6F175D3DCCD1}">
+              <a14:hiddenFill xmlns:a14="http://schemas.microsoft.com/office/drawing/2010/main">
+                <a:solidFill>
+                  <a:schemeClr val="accent1"/>
+                </a:solidFill>
+              </a14:hiddenFill>
+            </a:ext>
+            <a:ext uri="{91240B29-F687-4F45-9708-019B960494DF}">
+              <a14:hiddenLine xmlns:a14="http://schemas.microsoft.com/office/drawing/2010/main" w="9525">
+                <a:solidFill>
+                  <a:schemeClr val="tx1"/>
+                </a:solidFill>
+                <a:miter lim="800000"/>
+                <a:headEnd/>
+                <a:tailEnd/>
+              </a14:hiddenLine>
+            </a:ext>
+          </a:extLst>
+        </p:spPr>
+      </p:pic>
+    </p:spTree>
+    <p:extLst>
+      <p:ext uri="{BB962C8B-B14F-4D97-AF65-F5344CB8AC3E}">
+        <p14:creationId xmlns:p14="http://schemas.microsoft.com/office/powerpoint/2010/main" val="2164026224"/>
+      </p:ext>
+    </p:extLst>
+  </p:cSld>
+  <p:clrMapOvr>
+    <a:masterClrMapping/>
+  </p:clrMapOvr>
+</p:sld>
+</file>
+
+<file path=ppt/slides/slide17.xml><?xml version="1.0" encoding="utf-8"?>
+<p:sld xmlns:a="http://schemas.openxmlformats.org/drawingml/2006/main" xmlns:r="http://schemas.openxmlformats.org/officeDocument/2006/relationships" xmlns:p="http://schemas.openxmlformats.org/presentationml/2006/main">
+  <p:cSld>
+    <p:spTree>
+      <p:nvGrpSpPr>
+        <p:cNvPr id="1" name=""/>
+        <p:cNvGrpSpPr/>
+        <p:nvPr/>
+      </p:nvGrpSpPr>
+      <p:grpSpPr>
+        <a:xfrm>
+          <a:off x="0" y="0"/>
+          <a:ext cx="0" cy="0"/>
+          <a:chOff x="0" y="0"/>
+          <a:chExt cx="0" cy="0"/>
+        </a:xfrm>
+      </p:grpSpPr>
       <p:pic>
         <p:nvPicPr>
           <p:cNvPr id="7" name="圖片 6"/>
@@ -3817,7 +4063,7 @@
 </p:sld>
 </file>
 
-<file path=ppt/slides/slide16.xml><?xml version="1.0" encoding="utf-8"?>
+<file path=ppt/slides/slide18.xml><?xml version="1.0" encoding="utf-8"?>
 <p:sld xmlns:a="http://schemas.openxmlformats.org/drawingml/2006/main" xmlns:r="http://schemas.openxmlformats.org/officeDocument/2006/relationships" xmlns:p="http://schemas.openxmlformats.org/presentationml/2006/main">
   <p:cSld>
     <p:spTree>
@@ -3985,7 +4231,7 @@
 </p:sld>
 </file>
 
-<file path=ppt/slides/slide17.xml><?xml version="1.0" encoding="utf-8"?>
+<file path=ppt/slides/slide19.xml><?xml version="1.0" encoding="utf-8"?>
 <p:sld xmlns:a="http://schemas.openxmlformats.org/drawingml/2006/main" xmlns:r="http://schemas.openxmlformats.org/officeDocument/2006/relationships" xmlns:p="http://schemas.openxmlformats.org/presentationml/2006/main">
   <p:cSld>
     <p:spTree>
@@ -4667,7 +4913,7 @@
           <a:graphicData uri="http://schemas.openxmlformats.org/presentationml/2006/ole">
             <mc:AlternateContent xmlns:mc="http://schemas.openxmlformats.org/markup-compatibility/2006">
               <mc:Choice xmlns:v="urn:schemas-microsoft-com:vml" Requires="v">
-                <p:oleObj spid="_x0000_s5127" name="方程式" r:id="rId4" imgW="1663560" imgH="1066680" progId="Equation.3">
+                <p:oleObj spid="_x0000_s5128" name="方程式" r:id="rId4" imgW="1663560" imgH="1066680" progId="Equation.3">
                   <p:embed/>
                 </p:oleObj>
               </mc:Choice>
@@ -5323,7 +5569,7 @@
           <a:graphicData uri="http://schemas.openxmlformats.org/presentationml/2006/ole">
             <mc:AlternateContent xmlns:mc="http://schemas.openxmlformats.org/markup-compatibility/2006">
               <mc:Choice xmlns:v="urn:schemas-microsoft-com:vml" Requires="v">
-                <p:oleObj spid="_x0000_s4103" name="方程式" r:id="rId4" imgW="2019240" imgH="393480" progId="Equation.3">
+                <p:oleObj spid="_x0000_s4104" name="方程式" r:id="rId4" imgW="2019240" imgH="393480" progId="Equation.3">
                   <p:embed/>
                 </p:oleObj>
               </mc:Choice>
@@ -6023,7 +6269,7 @@
   <a:extraClrSchemeLst/>
   <a:extLst>
     <a:ext uri="{05A4C25C-085E-4340-85A3-A5531E510DB2}">
-      <thm15:themeFamily xmlns:thm15="http://schemas.microsoft.com/office/thememl/2012/main" xmlns="" name="Office Theme" id="{62F939B6-93AF-4DB8-9C6B-D6C7DFDC589F}" vid="{4A3C46E8-61CC-4603-A589-7422A47A8E4A}"/>
+      <thm15:themeFamily xmlns="" xmlns:thm15="http://schemas.microsoft.com/office/thememl/2012/main" name="Office Theme" id="{62F939B6-93AF-4DB8-9C6B-D6C7DFDC589F}" vid="{4A3C46E8-61CC-4603-A589-7422A47A8E4A}"/>
     </a:ext>
   </a:extLst>
 </a:theme>
